--- a/Slides/Slot 16_17-JavaScript Clients and ASP.NET Web API.pptx
+++ b/Slides/Slot 16_17-JavaScript Clients and ASP.NET Web API.pptx
@@ -283,7 +283,7 @@
       <p15:sldGuideLst xmlns:p15="http://schemas.microsoft.com/office/powerpoint/2012/main"/>
     </p:ext>
     <p:ext uri="http://customooxmlschemas.google.com/">
-      <go:slidesCustomData xmlns:go="http://customooxmlschemas.google.com/" xmlns:ahyp="http://schemas.microsoft.com/office/drawing/2018/hyperlinkcolor" xmlns:p15="http://schemas.microsoft.com/office/powerpoint/2012/main" xmlns:p14="http://schemas.microsoft.com/office/powerpoint/2010/main" xmlns:com="http://schemas.openxmlformats.org/drawingml/2006/compatibility" xmlns:pvml="urn:schemas-microsoft-com:office:powerpoint" xmlns:v="urn:schemas-microsoft-com:vml" xmlns:o="urn:schemas-microsoft-com:office:office" xmlns:dgm="http://schemas.openxmlformats.org/drawingml/2006/diagram" xmlns:c="http://schemas.openxmlformats.org/drawingml/2006/chart" xmlns:mv="urn:schemas-microsoft-com:mac:vml" xmlns:mc="http://schemas.openxmlformats.org/markup-compatibility/2006" xmlns="" r:id="rId51" roundtripDataSignature="AMtx7mjm0V2SbzZUsP05LVTHy3YtRCoK1Q=="/>
+      <go:slidesCustomData xmlns="" xmlns:mc="http://schemas.openxmlformats.org/markup-compatibility/2006" xmlns:mv="urn:schemas-microsoft-com:mac:vml" xmlns:c="http://schemas.openxmlformats.org/drawingml/2006/chart" xmlns:dgm="http://schemas.openxmlformats.org/drawingml/2006/diagram" xmlns:o="urn:schemas-microsoft-com:office:office" xmlns:v="urn:schemas-microsoft-com:vml" xmlns:pvml="urn:schemas-microsoft-com:office:powerpoint" xmlns:com="http://schemas.openxmlformats.org/drawingml/2006/compatibility" xmlns:p14="http://schemas.microsoft.com/office/powerpoint/2010/main" xmlns:p15="http://schemas.microsoft.com/office/powerpoint/2012/main" xmlns:ahyp="http://schemas.microsoft.com/office/drawing/2018/hyperlinkcolor" xmlns:go="http://customooxmlschemas.google.com/" r:id="rId51" roundtripDataSignature="AMtx7mjm0V2SbzZUsP05LVTHy3YtRCoK1Q=="/>
     </p:ext>
   </p:extLst>
 </p:presentation>
@@ -1534,7 +1534,7 @@
               <a:buNone/>
             </a:pPr>
             <a:r>
-              <a:rPr lang="en-US" dirty="0" smtClean="0"/>
+              <a:rPr lang="en-US" dirty="0"/>
               <a:t>https://grpc.io/</a:t>
             </a:r>
             <a:endParaRPr dirty="0"/>
@@ -1635,10 +1635,9 @@
           <a:lstStyle/>
           <a:p>
             <a:r>
-              <a:rPr lang="en-US" dirty="0" smtClean="0"/>
+              <a:rPr lang="en-US" dirty="0"/>
               <a:t>https://developer.mozilla.org/en-US/docs/Web/API/XMLHttpRequest</a:t>
             </a:r>
-            <a:endParaRPr lang="en-US" dirty="0"/>
           </a:p>
         </p:txBody>
       </p:sp>
@@ -1748,10 +1747,9 @@
           <a:lstStyle/>
           <a:p>
             <a:r>
-              <a:rPr lang="en-US" dirty="0" smtClean="0"/>
+              <a:rPr lang="en-US" dirty="0"/>
               <a:t>https://www.w3schools.com/jquERy/ajax_ajax.asp</a:t>
             </a:r>
-            <a:endParaRPr lang="en-US" dirty="0"/>
           </a:p>
         </p:txBody>
       </p:sp>
@@ -2671,7 +2669,7 @@
             </a:lvl9pPr>
           </a:lstStyle>
           <a:p>
-            <a:endParaRPr lang="en-US" dirty="0" smtClean="0"/>
+            <a:endParaRPr lang="en-US" dirty="0"/>
           </a:p>
           <a:p>
             <a:pPr lvl="1"/>
@@ -3090,7 +3088,7 @@
           <a:p>
             <a:fld id="{2D9EEFE5-73B6-4DE5-AE0C-1DCB79897DCB}" type="datetime1">
               <a:rPr lang="en-US" smtClean="0"/>
-              <a:t>04/15/22</a:t>
+              <a:t>10/9/2023</a:t>
             </a:fld>
             <a:endParaRPr/>
           </a:p>
@@ -3748,7 +3746,7 @@
           <a:p>
             <a:fld id="{ADE417E1-9D55-47B1-9EF0-0BB498D1731E}" type="datetime1">
               <a:rPr lang="en-US" smtClean="0"/>
-              <a:t>04/15/22</a:t>
+              <a:t>10/9/2023</a:t>
             </a:fld>
             <a:endParaRPr/>
           </a:p>
@@ -4926,29 +4924,7 @@
                 <a:ea typeface="+mj-ea"/>
                 <a:cs typeface="Arial" panose="020B0604020202020204" pitchFamily="34" charset="0"/>
               </a:rPr>
-              <a:t>JavaScript Clients and </a:t>
-            </a:r>
-            <a:r>
-              <a:rPr lang="en-US" sz="4400" b="1" kern="1200" dirty="0" smtClean="0">
-                <a:solidFill>
-                  <a:schemeClr val="accent2"/>
-                </a:solidFill>
-                <a:latin typeface="Arial" panose="020B0604020202020204" pitchFamily="34" charset="0"/>
-                <a:ea typeface="+mj-ea"/>
-                <a:cs typeface="Arial" panose="020B0604020202020204" pitchFamily="34" charset="0"/>
-              </a:rPr>
-              <a:t>ASP.NET Core </a:t>
-            </a:r>
-            <a:r>
-              <a:rPr lang="en-US" sz="4400" b="1" kern="1200" dirty="0">
-                <a:solidFill>
-                  <a:schemeClr val="accent2"/>
-                </a:solidFill>
-                <a:latin typeface="Arial" panose="020B0604020202020204" pitchFamily="34" charset="0"/>
-                <a:ea typeface="+mj-ea"/>
-                <a:cs typeface="Arial" panose="020B0604020202020204" pitchFamily="34" charset="0"/>
-              </a:rPr>
-              <a:t>Web API</a:t>
+              <a:t>JavaScript Clients and ASP.NET Core Web API</a:t>
             </a:r>
             <a:endParaRPr sz="4400" b="1" kern="1200" dirty="0">
               <a:solidFill>
@@ -5005,13 +4981,8 @@
           <a:p>
             <a:r>
               <a:rPr lang="en-US" dirty="0"/>
-              <a:t>jQuery </a:t>
-            </a:r>
-            <a:r>
-              <a:rPr lang="en-US" dirty="0" smtClean="0"/>
-              <a:t>Selectors - 1</a:t>
-            </a:r>
-            <a:endParaRPr lang="en-US" dirty="0"/>
+              <a:t>jQuery Selectors - 1</a:t>
+            </a:r>
           </a:p>
         </p:txBody>
       </p:sp>
@@ -5037,11 +5008,7 @@
             </a:pPr>
             <a:r>
               <a:rPr lang="en-US" dirty="0"/>
-              <a:t>jQuery selectors allow you to select and manipulate HTML element(s</a:t>
-            </a:r>
-            <a:r>
-              <a:rPr lang="en-US" dirty="0" smtClean="0"/>
-              <a:t>).</a:t>
+              <a:t>jQuery selectors allow you to select and manipulate HTML element(s).</a:t>
             </a:r>
           </a:p>
           <a:p>
@@ -5062,23 +5029,15 @@
               </a:lnSpc>
             </a:pPr>
             <a:r>
-              <a:rPr lang="en-US" dirty="0" smtClean="0"/>
-              <a:t>All </a:t>
-            </a:r>
-            <a:r>
-              <a:rPr lang="en-US" dirty="0"/>
-              <a:t>selectors in jQuery start with the dollar sign and parentheses: </a:t>
-            </a:r>
-            <a:r>
-              <a:rPr lang="en-US" dirty="0" smtClean="0"/>
-              <a:t>$().</a:t>
-            </a:r>
-          </a:p>
-          <a:p>
-            <a:endParaRPr lang="en-US" dirty="0" smtClean="0"/>
-          </a:p>
-          <a:p>
-            <a:endParaRPr lang="en-US" dirty="0" smtClean="0"/>
+              <a:rPr lang="en-US" dirty="0"/>
+              <a:t>All selectors in jQuery start with the dollar sign and parentheses: $().</a:t>
+            </a:r>
+          </a:p>
+          <a:p>
+            <a:endParaRPr lang="en-US" dirty="0"/>
+          </a:p>
+          <a:p>
+            <a:endParaRPr lang="en-US" dirty="0"/>
           </a:p>
           <a:p>
             <a:endParaRPr lang="en-US" dirty="0"/>
@@ -5161,13 +5120,8 @@
           <a:p>
             <a:r>
               <a:rPr lang="en-US" dirty="0"/>
-              <a:t>jQuery </a:t>
-            </a:r>
-            <a:r>
-              <a:rPr lang="en-US" dirty="0" smtClean="0"/>
-              <a:t>Selectors - 2</a:t>
-            </a:r>
-            <a:endParaRPr lang="en-US" dirty="0"/>
+              <a:t>jQuery Selectors - 2</a:t>
+            </a:r>
           </a:p>
         </p:txBody>
       </p:sp>
@@ -5225,16 +5179,12 @@
               </a:lnSpc>
             </a:pPr>
             <a:r>
-              <a:rPr lang="en-US" dirty="0" smtClean="0"/>
-              <a:t>Examples </a:t>
-            </a:r>
-            <a:r>
-              <a:rPr lang="en-US" dirty="0"/>
-              <a:t>of jQuery Selectors</a:t>
-            </a:r>
-          </a:p>
-          <a:p>
-            <a:endParaRPr lang="en-US" dirty="0" smtClean="0"/>
+              <a:rPr lang="en-US" dirty="0"/>
+              <a:t>Examples of jQuery Selectors</a:t>
+            </a:r>
+          </a:p>
+          <a:p>
+            <a:endParaRPr lang="en-US" dirty="0"/>
           </a:p>
           <a:p>
             <a:endParaRPr lang="en-US" dirty="0"/>
@@ -5362,7 +5312,7 @@
           <a:lstStyle/>
           <a:p>
             <a:r>
-              <a:rPr lang="en-US" dirty="0" smtClean="0"/>
+              <a:rPr lang="en-US" dirty="0"/>
               <a:t>DOM events</a:t>
             </a:r>
           </a:p>
@@ -5370,41 +5320,40 @@
             <a:endParaRPr lang="en-US" dirty="0"/>
           </a:p>
           <a:p>
-            <a:endParaRPr lang="en-US" dirty="0" smtClean="0"/>
-          </a:p>
-          <a:p>
             <a:endParaRPr lang="en-US" dirty="0"/>
           </a:p>
           <a:p>
-            <a:endParaRPr lang="en-US" dirty="0" smtClean="0"/>
-          </a:p>
-          <a:p>
             <a:endParaRPr lang="en-US" dirty="0"/>
           </a:p>
           <a:p>
-            <a:endParaRPr lang="en-US" dirty="0" smtClean="0"/>
-          </a:p>
-          <a:p>
-            <a:endParaRPr lang="en-US" dirty="0" smtClean="0"/>
-          </a:p>
-          <a:p>
-            <a:r>
-              <a:rPr lang="en-US" dirty="0" smtClean="0"/>
+            <a:endParaRPr lang="en-US" dirty="0"/>
+          </a:p>
+          <a:p>
+            <a:endParaRPr lang="en-US" dirty="0"/>
+          </a:p>
+          <a:p>
+            <a:endParaRPr lang="en-US" dirty="0"/>
+          </a:p>
+          <a:p>
+            <a:endParaRPr lang="en-US" dirty="0"/>
+          </a:p>
+          <a:p>
+            <a:r>
+              <a:rPr lang="en-US" dirty="0"/>
               <a:t>jQuery syntax for event methods: </a:t>
             </a:r>
             <a:r>
-              <a:rPr lang="en-US" b="1" dirty="0" smtClean="0"/>
+              <a:rPr lang="en-US" b="1" dirty="0"/>
               <a:t>$(“selector").</a:t>
             </a:r>
             <a:r>
-              <a:rPr lang="en-US" b="1" dirty="0" err="1" smtClean="0"/>
+              <a:rPr lang="en-US" b="1" dirty="0" err="1"/>
               <a:t>eventmethod</a:t>
             </a:r>
             <a:r>
-              <a:rPr lang="en-US" b="1" dirty="0" smtClean="0"/>
+              <a:rPr lang="en-US" b="1" dirty="0"/>
               <a:t>(); </a:t>
             </a:r>
-            <a:endParaRPr lang="en-US" b="1" dirty="0"/>
           </a:p>
           <a:p>
             <a:endParaRPr lang="en-US" dirty="0"/>
@@ -5508,13 +5457,8 @@
           <a:p>
             <a:r>
               <a:rPr lang="en-US" dirty="0"/>
-              <a:t>What is AJAX</a:t>
-            </a:r>
-            <a:r>
-              <a:rPr lang="en-US" dirty="0" smtClean="0"/>
-              <a:t>?</a:t>
-            </a:r>
-            <a:endParaRPr lang="en-US" dirty="0"/>
+              <a:t>What is AJAX?</a:t>
+            </a:r>
           </a:p>
         </p:txBody>
       </p:sp>
@@ -5582,12 +5526,8 @@
               </a:lnSpc>
             </a:pPr>
             <a:r>
-              <a:rPr lang="en-US" dirty="0" smtClean="0"/>
-              <a:t>jQuery </a:t>
-            </a:r>
-            <a:r>
-              <a:rPr lang="en-US" dirty="0"/>
-              <a:t>provides several methods for AJAX functionality.</a:t>
+              <a:rPr lang="en-US" dirty="0"/>
+              <a:t>jQuery provides several methods for AJAX functionality.</a:t>
             </a:r>
           </a:p>
           <a:p>
@@ -5602,11 +5542,7 @@
             </a:r>
             <a:r>
               <a:rPr lang="en-US"/>
-              <a:t>web </a:t>
-            </a:r>
-            <a:r>
-              <a:rPr lang="en-US" smtClean="0"/>
-              <a:t>page.</a:t>
+              <a:t>web page.</a:t>
             </a:r>
             <a:endParaRPr lang="en-US" dirty="0"/>
           </a:p>
@@ -5688,13 +5624,8 @@
           <a:p>
             <a:r>
               <a:rPr lang="en-US" dirty="0"/>
-              <a:t>jQuery AJAX </a:t>
-            </a:r>
-            <a:r>
-              <a:rPr lang="en-US" dirty="0" smtClean="0"/>
-              <a:t>Methods</a:t>
-            </a:r>
-            <a:endParaRPr lang="en-US" dirty="0"/>
+              <a:t>jQuery AJAX Methods</a:t>
+            </a:r>
           </a:p>
         </p:txBody>
       </p:sp>
@@ -5738,7 +5669,7 @@
         </p:nvGraphicFramePr>
         <p:xfrm>
           <a:off x="168166" y="1367097"/>
-          <a:ext cx="11771229" cy="4876155"/>
+          <a:ext cx="11771229" cy="4749409"/>
         </p:xfrm>
         <a:graphic>
           <a:graphicData uri="http://schemas.openxmlformats.org/drawingml/2006/table">
@@ -6333,12 +6264,8 @@
           <a:lstStyle/>
           <a:p>
             <a:r>
-              <a:rPr lang="en-US" dirty="0" smtClean="0"/>
-              <a:t>jQuery - </a:t>
-            </a:r>
-            <a:r>
-              <a:rPr lang="en-US" dirty="0"/>
-              <a:t>ajax() method </a:t>
+              <a:rPr lang="en-US" dirty="0"/>
+              <a:t>jQuery - ajax() method </a:t>
             </a:r>
           </a:p>
         </p:txBody>
@@ -6386,24 +6313,12 @@
               </a:lnSpc>
             </a:pPr>
             <a:r>
-              <a:rPr lang="en-US" b="1" dirty="0" smtClean="0"/>
-              <a:t>Syntax:</a:t>
-            </a:r>
-            <a:r>
               <a:rPr lang="en-US" b="1" dirty="0"/>
-              <a:t>	</a:t>
-            </a:r>
-            <a:r>
-              <a:rPr lang="en-US" b="1" dirty="0" smtClean="0"/>
-              <a:t>	</a:t>
-            </a:r>
-            <a:r>
-              <a:rPr lang="en-US" dirty="0" smtClean="0"/>
-              <a:t>$.</a:t>
-            </a:r>
-            <a:r>
-              <a:rPr lang="en-US" dirty="0"/>
-              <a:t>ajax(</a:t>
+              <a:t>Syntax:		</a:t>
+            </a:r>
+            <a:r>
+              <a:rPr lang="en-US" dirty="0"/>
+              <a:t>$.ajax(</a:t>
             </a:r>
             <a:r>
               <a:rPr lang="en-US" i="1" dirty="0"/>
@@ -6817,7 +6732,7 @@
               </a:spcBef>
             </a:pPr>
             <a:r>
-              <a:rPr lang="en-US" sz="4400" kern="1200" dirty="0" smtClean="0">
+              <a:rPr lang="en-US" sz="4400" kern="1200" dirty="0">
                 <a:solidFill>
                   <a:schemeClr val="accent2"/>
                 </a:solidFill>
@@ -6827,14 +6742,6 @@
               </a:rPr>
               <a:t>Demo ASP.NET Core Web API with JavaScript</a:t>
             </a:r>
-            <a:endParaRPr lang="en-US" sz="4400" kern="1200" dirty="0">
-              <a:solidFill>
-                <a:schemeClr val="accent2"/>
-              </a:solidFill>
-              <a:latin typeface="Arial" panose="020B0604020202020204" pitchFamily="34" charset="0"/>
-              <a:ea typeface="+mj-ea"/>
-              <a:cs typeface="Arial" panose="020B0604020202020204" pitchFamily="34" charset="0"/>
-            </a:endParaRPr>
           </a:p>
         </p:txBody>
       </p:sp>
@@ -6884,10 +6791,9 @@
           <a:lstStyle/>
           <a:p>
             <a:r>
-              <a:rPr lang="en-US" dirty="0" smtClean="0"/>
+              <a:rPr lang="en-US" dirty="0"/>
               <a:t>Using JavaScript to get data from Web API</a:t>
             </a:r>
-            <a:endParaRPr lang="en-US" dirty="0"/>
           </a:p>
         </p:txBody>
       </p:sp>
@@ -7052,10 +6958,9 @@
           <a:lstStyle/>
           <a:p>
             <a:r>
-              <a:rPr lang="en-US" dirty="0" smtClean="0"/>
+              <a:rPr lang="en-US" dirty="0"/>
               <a:t>Create ASP.NET Core Web API - 1</a:t>
             </a:r>
-            <a:endParaRPr lang="en-US" dirty="0"/>
           </a:p>
         </p:txBody>
       </p:sp>
@@ -7075,24 +6980,23 @@
           <a:lstStyle/>
           <a:p>
             <a:r>
-              <a:rPr lang="en-US" dirty="0" smtClean="0"/>
+              <a:rPr lang="en-US" dirty="0"/>
               <a:t>Create ASP.NET Core Web API Project</a:t>
             </a:r>
           </a:p>
           <a:p>
             <a:r>
-              <a:rPr lang="en-US" dirty="0" smtClean="0"/>
+              <a:rPr lang="en-US" dirty="0"/>
               <a:t>Models and </a:t>
             </a:r>
             <a:r>
-              <a:rPr lang="en-US" dirty="0" err="1" smtClean="0"/>
+              <a:rPr lang="en-US" dirty="0" err="1"/>
               <a:t>IRepository</a:t>
             </a:r>
             <a:r>
-              <a:rPr lang="en-US" dirty="0" smtClean="0"/>
+              <a:rPr lang="en-US" dirty="0"/>
               <a:t>	</a:t>
             </a:r>
-            <a:endParaRPr lang="en-US" dirty="0"/>
           </a:p>
         </p:txBody>
       </p:sp>
@@ -7214,10 +7118,9 @@
           <a:lstStyle/>
           <a:p>
             <a:r>
-              <a:rPr lang="en-US" dirty="0" smtClean="0"/>
+              <a:rPr lang="en-US" dirty="0"/>
               <a:t>Create ASP.NET Core Web API - 2</a:t>
             </a:r>
-            <a:endParaRPr lang="en-US" dirty="0"/>
           </a:p>
         </p:txBody>
       </p:sp>
@@ -7237,18 +7140,17 @@
           <a:lstStyle/>
           <a:p>
             <a:r>
-              <a:rPr lang="en-US" dirty="0" smtClean="0"/>
+              <a:rPr lang="en-US" dirty="0"/>
               <a:t>Implement interface </a:t>
             </a:r>
             <a:r>
-              <a:rPr lang="en-US" dirty="0" err="1" smtClean="0"/>
+              <a:rPr lang="en-US" dirty="0" err="1"/>
               <a:t>IRepository</a:t>
             </a:r>
             <a:r>
-              <a:rPr lang="en-US" dirty="0" smtClean="0"/>
+              <a:rPr lang="en-US" dirty="0"/>
               <a:t>	</a:t>
             </a:r>
-            <a:endParaRPr lang="en-US" dirty="0"/>
           </a:p>
         </p:txBody>
       </p:sp>
@@ -7345,10 +7247,9 @@
           <a:lstStyle/>
           <a:p>
             <a:r>
-              <a:rPr lang="en-US" dirty="0" smtClean="0"/>
+              <a:rPr lang="en-US" dirty="0"/>
               <a:t>Objectives</a:t>
             </a:r>
-            <a:endParaRPr lang="en-US" dirty="0"/>
           </a:p>
         </p:txBody>
       </p:sp>
@@ -7384,12 +7285,8 @@
               </a:lnSpc>
             </a:pPr>
             <a:r>
-              <a:rPr lang="en-US" dirty="0" smtClean="0"/>
-              <a:t>jQuery </a:t>
-            </a:r>
-            <a:r>
-              <a:rPr lang="en-US" dirty="0"/>
-              <a:t>Syntax</a:t>
+              <a:rPr lang="en-US" dirty="0"/>
+              <a:t>jQuery Syntax</a:t>
             </a:r>
           </a:p>
           <a:p>
@@ -7399,12 +7296,8 @@
               </a:lnSpc>
             </a:pPr>
             <a:r>
-              <a:rPr lang="en-US" dirty="0" smtClean="0"/>
-              <a:t>jQuery </a:t>
-            </a:r>
-            <a:r>
-              <a:rPr lang="en-US" dirty="0"/>
-              <a:t>Selectors </a:t>
+              <a:rPr lang="en-US" dirty="0"/>
+              <a:t>jQuery Selectors </a:t>
             </a:r>
           </a:p>
           <a:p>
@@ -7414,12 +7307,8 @@
               </a:lnSpc>
             </a:pPr>
             <a:r>
-              <a:rPr lang="en-US" dirty="0" smtClean="0"/>
-              <a:t>jQuery </a:t>
-            </a:r>
-            <a:r>
-              <a:rPr lang="en-US" dirty="0"/>
-              <a:t>Event Methods</a:t>
+              <a:rPr lang="en-US" dirty="0"/>
+              <a:t>jQuery Event Methods</a:t>
             </a:r>
           </a:p>
           <a:p>
@@ -7429,18 +7318,9 @@
               </a:lnSpc>
             </a:pPr>
             <a:r>
-              <a:rPr lang="en-US" dirty="0" smtClean="0"/>
-              <a:t>AJAX </a:t>
-            </a:r>
-            <a:r>
-              <a:rPr lang="en-US" dirty="0"/>
-              <a:t>(Asynchronous JavaScript And </a:t>
-            </a:r>
-            <a:r>
-              <a:rPr lang="en-US" dirty="0" smtClean="0"/>
-              <a:t>XML)</a:t>
-            </a:r>
-            <a:endParaRPr lang="en-US" dirty="0"/>
+              <a:rPr lang="en-US" dirty="0"/>
+              <a:t>AJAX (Asynchronous JavaScript And XML)</a:t>
+            </a:r>
           </a:p>
           <a:p>
             <a:pPr lvl="1">
@@ -7449,12 +7329,8 @@
               </a:lnSpc>
             </a:pPr>
             <a:r>
-              <a:rPr lang="en-US" dirty="0" smtClean="0"/>
-              <a:t>jQuery </a:t>
-            </a:r>
-            <a:r>
-              <a:rPr lang="en-US" dirty="0"/>
-              <a:t>AJAX Methods</a:t>
+              <a:rPr lang="en-US" dirty="0"/>
+              <a:t>jQuery AJAX Methods</a:t>
             </a:r>
           </a:p>
           <a:p>
@@ -7464,14 +7340,9 @@
               </a:lnSpc>
             </a:pPr>
             <a:r>
-              <a:rPr lang="en-US" dirty="0" smtClean="0"/>
-              <a:t>Demo </a:t>
-            </a:r>
-            <a:r>
-              <a:rPr lang="en-US" dirty="0"/>
-              <a:t>ASP.NET Core Web API with JavaScript</a:t>
-            </a:r>
-            <a:endParaRPr lang="en-US" dirty="0" smtClean="0"/>
+              <a:rPr lang="en-US" dirty="0"/>
+              <a:t>Demo ASP.NET Core Web API with JavaScript</a:t>
+            </a:r>
           </a:p>
           <a:p>
             <a:pPr lvl="1"/>
@@ -7557,10 +7428,9 @@
           <a:lstStyle/>
           <a:p>
             <a:r>
-              <a:rPr lang="en-US" dirty="0" smtClean="0"/>
+              <a:rPr lang="en-US" dirty="0"/>
               <a:t>Create ASP.NET Core Web API - 3</a:t>
             </a:r>
-            <a:endParaRPr lang="en-US" dirty="0"/>
           </a:p>
         </p:txBody>
       </p:sp>
@@ -7580,18 +7450,17 @@
           <a:lstStyle/>
           <a:p>
             <a:r>
-              <a:rPr lang="en-US" dirty="0" smtClean="0"/>
+              <a:rPr lang="en-US" dirty="0"/>
               <a:t>Implement interface </a:t>
             </a:r>
             <a:r>
-              <a:rPr lang="en-US" dirty="0" err="1" smtClean="0"/>
+              <a:rPr lang="en-US" dirty="0" err="1"/>
               <a:t>IRepository</a:t>
             </a:r>
             <a:r>
-              <a:rPr lang="en-US" dirty="0" smtClean="0"/>
+              <a:rPr lang="en-US" dirty="0"/>
               <a:t>	</a:t>
             </a:r>
-            <a:endParaRPr lang="en-US" dirty="0"/>
           </a:p>
         </p:txBody>
       </p:sp>
@@ -7688,18 +7557,17 @@
           <a:lstStyle/>
           <a:p>
             <a:r>
-              <a:rPr lang="en-US" dirty="0" smtClean="0"/>
+              <a:rPr lang="en-US" dirty="0"/>
               <a:t>Web API Settings with </a:t>
             </a:r>
             <a:r>
-              <a:rPr lang="en-US" dirty="0" err="1" smtClean="0"/>
+              <a:rPr lang="en-US" dirty="0" err="1"/>
               <a:t>Startup.cs</a:t>
             </a:r>
             <a:r>
-              <a:rPr lang="en-US" dirty="0" smtClean="0"/>
+              <a:rPr lang="en-US" dirty="0"/>
               <a:t> - 1</a:t>
             </a:r>
-            <a:endParaRPr lang="en-US" dirty="0"/>
           </a:p>
         </p:txBody>
       </p:sp>
@@ -7719,18 +7587,17 @@
           <a:lstStyle/>
           <a:p>
             <a:r>
-              <a:rPr lang="en-US" dirty="0" smtClean="0"/>
+              <a:rPr lang="en-US" dirty="0"/>
               <a:t>Configure with </a:t>
             </a:r>
             <a:r>
-              <a:rPr lang="en-US" dirty="0" err="1" smtClean="0"/>
+              <a:rPr lang="en-US" dirty="0" err="1"/>
               <a:t>ConfigureServices</a:t>
             </a:r>
             <a:r>
-              <a:rPr lang="en-US" dirty="0" smtClean="0"/>
+              <a:rPr lang="en-US" dirty="0"/>
               <a:t>() function</a:t>
             </a:r>
-            <a:endParaRPr lang="en-US" dirty="0"/>
           </a:p>
         </p:txBody>
       </p:sp>
@@ -7874,18 +7741,17 @@
           <a:lstStyle/>
           <a:p>
             <a:r>
-              <a:rPr lang="en-US" dirty="0" smtClean="0"/>
+              <a:rPr lang="en-US" dirty="0"/>
               <a:t>Web API Settings with </a:t>
             </a:r>
             <a:r>
-              <a:rPr lang="en-US" dirty="0" err="1" smtClean="0"/>
+              <a:rPr lang="en-US" dirty="0" err="1"/>
               <a:t>Startup.cs</a:t>
             </a:r>
             <a:r>
-              <a:rPr lang="en-US" dirty="0" smtClean="0"/>
+              <a:rPr lang="en-US" dirty="0"/>
               <a:t> - 2</a:t>
             </a:r>
-            <a:endParaRPr lang="en-US" dirty="0"/>
           </a:p>
         </p:txBody>
       </p:sp>
@@ -7912,15 +7778,7 @@
             <a:pPr algn="l"/>
             <a:r>
               <a:rPr lang="en-US" dirty="0"/>
-              <a:t>Configure with </a:t>
-            </a:r>
-            <a:r>
-              <a:rPr lang="en-US" dirty="0" smtClean="0"/>
-              <a:t>Configure () </a:t>
-            </a:r>
-            <a:r>
-              <a:rPr lang="en-US" dirty="0"/>
-              <a:t>function</a:t>
+              <a:t>Configure with Configure () function</a:t>
             </a:r>
           </a:p>
           <a:p>
@@ -8071,10 +7929,9 @@
           <a:lstStyle/>
           <a:p>
             <a:r>
-              <a:rPr lang="en-US" dirty="0" smtClean="0"/>
+              <a:rPr lang="en-US" dirty="0"/>
               <a:t>Add API Controller for CRUD actions - 1</a:t>
             </a:r>
-            <a:endParaRPr lang="en-US" dirty="0"/>
           </a:p>
         </p:txBody>
       </p:sp>
@@ -8192,10 +8049,9 @@
           <a:lstStyle/>
           <a:p>
             <a:r>
-              <a:rPr lang="en-US" dirty="0" smtClean="0"/>
+              <a:rPr lang="en-US" dirty="0"/>
               <a:t>Add API Controller for CRUD actions - 2</a:t>
             </a:r>
-            <a:endParaRPr lang="en-US" dirty="0"/>
           </a:p>
         </p:txBody>
       </p:sp>
@@ -8314,10 +8170,9 @@
           <a:lstStyle/>
           <a:p>
             <a:r>
-              <a:rPr lang="en-US" dirty="0" smtClean="0"/>
+              <a:rPr lang="en-US" dirty="0"/>
               <a:t>Add API Controller for CRUD actions - 3</a:t>
             </a:r>
-            <a:endParaRPr lang="en-US" dirty="0"/>
           </a:p>
         </p:txBody>
       </p:sp>
@@ -8434,10 +8289,9 @@
           <a:lstStyle/>
           <a:p>
             <a:r>
-              <a:rPr lang="en-US" dirty="0" smtClean="0"/>
+              <a:rPr lang="en-US" dirty="0"/>
               <a:t>Implement JavaScript to display all data - 1</a:t>
             </a:r>
-            <a:endParaRPr lang="en-US" dirty="0"/>
           </a:p>
         </p:txBody>
       </p:sp>
@@ -8463,10 +8317,9 @@
           <a:p>
             <a:pPr algn="l"/>
             <a:r>
-              <a:rPr lang="en-US" dirty="0" smtClean="0"/>
+              <a:rPr lang="en-US" dirty="0"/>
               <a:t>HTML for display all reservations from ASP.NET Core Web API</a:t>
             </a:r>
-            <a:endParaRPr lang="en-US" dirty="0"/>
           </a:p>
         </p:txBody>
       </p:sp>
@@ -8634,13 +8487,8 @@
           <a:p>
             <a:r>
               <a:rPr lang="en-US" dirty="0"/>
-              <a:t>Implement JavaScript to display all </a:t>
-            </a:r>
-            <a:r>
-              <a:rPr lang="en-US" dirty="0" smtClean="0"/>
-              <a:t>data - 2</a:t>
-            </a:r>
-            <a:endParaRPr lang="en-US" dirty="0"/>
+              <a:t>Implement JavaScript to display all data - 2</a:t>
+            </a:r>
           </a:p>
         </p:txBody>
       </p:sp>
@@ -8743,13 +8591,8 @@
             </a:pPr>
             <a:r>
               <a:rPr lang="en-US" dirty="0"/>
-              <a:t>Using </a:t>
-            </a:r>
-            <a:r>
-              <a:rPr lang="en-US" dirty="0" smtClean="0"/>
-              <a:t>jQuery $.ajax() function </a:t>
-            </a:r>
-            <a:endParaRPr lang="en-US" dirty="0"/>
+              <a:t>Using jQuery $.ajax() function </a:t>
+            </a:r>
           </a:p>
         </p:txBody>
       </p:sp>
@@ -8763,13 +8606,6 @@
   <p:clrMapOvr>
     <a:masterClrMapping/>
   </p:clrMapOvr>
-  <p:timing>
-    <p:tnLst>
-      <p:par>
-        <p:cTn id="1" dur="indefinite" restart="never" nodeType="tmRoot"/>
-      </p:par>
-    </p:tnLst>
-  </p:timing>
 </p:sld>
 </file>
 
@@ -8809,13 +8645,8 @@
           <a:p>
             <a:r>
               <a:rPr lang="en-US" dirty="0"/>
-              <a:t>Implement JavaScript to display all </a:t>
-            </a:r>
-            <a:r>
-              <a:rPr lang="en-US" dirty="0" smtClean="0"/>
-              <a:t>data – 3</a:t>
-            </a:r>
-            <a:endParaRPr lang="en-US" dirty="0"/>
+              <a:t>Implement JavaScript to display all data – 3</a:t>
+            </a:r>
           </a:p>
         </p:txBody>
       </p:sp>
@@ -8932,11 +8763,11 @@
           <a:lstStyle/>
           <a:p>
             <a:r>
-              <a:rPr lang="en-US" sz="2600" dirty="0" smtClean="0"/>
+              <a:rPr lang="en-US" sz="2600" dirty="0"/>
               <a:t>Using JavaScript </a:t>
             </a:r>
             <a:r>
-              <a:rPr lang="en-US" sz="2600" dirty="0" err="1" smtClean="0"/>
+              <a:rPr lang="en-US" sz="2600" dirty="0" err="1"/>
               <a:t>XMLHttpRequest</a:t>
             </a:r>
             <a:endParaRPr lang="en-US" sz="2600" dirty="0"/>
@@ -8953,13 +8784,6 @@
   <p:clrMapOvr>
     <a:masterClrMapping/>
   </p:clrMapOvr>
-  <p:timing>
-    <p:tnLst>
-      <p:par>
-        <p:cTn id="1" dur="indefinite" restart="never" nodeType="tmRoot"/>
-      </p:par>
-    </p:tnLst>
-  </p:timing>
 </p:sld>
 </file>
 
@@ -8997,13 +8821,8 @@
           <a:p>
             <a:r>
               <a:rPr lang="en-US" dirty="0"/>
-              <a:t>Implement JavaScript </a:t>
-            </a:r>
-            <a:r>
-              <a:rPr lang="en-US" dirty="0" smtClean="0"/>
-              <a:t>to get data by Id - 1</a:t>
-            </a:r>
-            <a:endParaRPr lang="en-US" dirty="0"/>
+              <a:t>Implement JavaScript to get data by Id - 1</a:t>
+            </a:r>
           </a:p>
         </p:txBody>
       </p:sp>
@@ -9029,15 +8848,7 @@
           <a:p>
             <a:r>
               <a:rPr lang="en-US" dirty="0"/>
-              <a:t>HTML for </a:t>
-            </a:r>
-            <a:r>
-              <a:rPr lang="en-US" dirty="0" smtClean="0"/>
-              <a:t>getting specific reservation by Id from </a:t>
-            </a:r>
-            <a:r>
-              <a:rPr lang="en-US" dirty="0"/>
-              <a:t>ASP.NET Core Web API</a:t>
+              <a:t>HTML for getting specific reservation by Id from ASP.NET Core Web API</a:t>
             </a:r>
           </a:p>
           <a:p>
@@ -9209,10 +9020,9 @@
           <a:lstStyle/>
           <a:p>
             <a:r>
-              <a:rPr lang="en-US" dirty="0" smtClean="0"/>
+              <a:rPr lang="en-US" dirty="0"/>
               <a:t>JavaScript</a:t>
             </a:r>
-            <a:endParaRPr lang="en-US" dirty="0"/>
           </a:p>
         </p:txBody>
       </p:sp>
@@ -9233,34 +9043,13 @@
           <a:p>
             <a:r>
               <a:rPr lang="en-US" dirty="0"/>
-              <a:t>JavaScript is a scripting or programming language that allows you to implement complex features on web pages </a:t>
-            </a:r>
-            <a:r>
-              <a:rPr lang="en-US" dirty="0" smtClean="0"/>
-              <a:t>- </a:t>
-            </a:r>
-            <a:r>
-              <a:rPr lang="en-US" dirty="0"/>
-              <a:t>every time a web page does more than just sit there and display static information for you to look at </a:t>
-            </a:r>
-            <a:r>
-              <a:rPr lang="en-US" dirty="0" smtClean="0"/>
-              <a:t>- </a:t>
-            </a:r>
-            <a:r>
-              <a:rPr lang="en-US" dirty="0"/>
-              <a:t>displaying timely content updates, interactive maps, animated 2D/3D graphics, scrolling video jukeboxes, etc. </a:t>
-            </a:r>
-            <a:endParaRPr lang="en-US" dirty="0" smtClean="0"/>
-          </a:p>
-          <a:p>
-            <a:r>
-              <a:rPr lang="en-US" dirty="0" smtClean="0"/>
-              <a:t>JavaScript </a:t>
-            </a:r>
-            <a:r>
-              <a:rPr lang="en-US" dirty="0"/>
-              <a:t>is the world's most popular programming language.</a:t>
+              <a:t>JavaScript is a scripting or programming language that allows you to implement complex features on web pages - every time a web page does more than just sit there and display static information for you to look at - displaying timely content updates, interactive maps, animated 2D/3D graphics, scrolling video jukeboxes, etc. </a:t>
+            </a:r>
+          </a:p>
+          <a:p>
+            <a:r>
+              <a:rPr lang="en-US" dirty="0"/>
+              <a:t>JavaScript is the world's most popular programming language.</a:t>
             </a:r>
           </a:p>
           <a:p>
@@ -9357,13 +9146,8 @@
           <a:p>
             <a:r>
               <a:rPr lang="en-US" dirty="0"/>
-              <a:t>Implement JavaScript to get data by Id - </a:t>
-            </a:r>
-            <a:r>
-              <a:rPr lang="en-US" dirty="0" smtClean="0"/>
-              <a:t>2</a:t>
-            </a:r>
-            <a:endParaRPr lang="en-US" dirty="0"/>
+              <a:t>Implement JavaScript to get data by Id - 2</a:t>
+            </a:r>
           </a:p>
         </p:txBody>
       </p:sp>
@@ -9456,10 +9240,9 @@
           <a:lstStyle/>
           <a:p>
             <a:r>
-              <a:rPr lang="en-US" sz="2600" dirty="0" smtClean="0"/>
+              <a:rPr lang="en-US" sz="2600" dirty="0"/>
               <a:t>Using jQuery $.ajax() function to get data by Id</a:t>
             </a:r>
-            <a:endParaRPr lang="en-US" sz="2600" dirty="0"/>
           </a:p>
         </p:txBody>
       </p:sp>
@@ -9510,13 +9293,8 @@
           <a:p>
             <a:r>
               <a:rPr lang="en-US" dirty="0"/>
-              <a:t>Implement JavaScript to get data by Id - </a:t>
-            </a:r>
-            <a:r>
-              <a:rPr lang="en-US" dirty="0" smtClean="0"/>
-              <a:t>3</a:t>
-            </a:r>
-            <a:endParaRPr lang="en-US" dirty="0"/>
+              <a:t>Implement JavaScript to get data by Id - 3</a:t>
+            </a:r>
           </a:p>
         </p:txBody>
       </p:sp>
@@ -9536,14 +9314,14 @@
           <a:lstStyle/>
           <a:p>
             <a:r>
-              <a:rPr lang="en-US" dirty="0" smtClean="0"/>
+              <a:rPr lang="en-US" dirty="0"/>
               <a:t>Using JavaScript </a:t>
             </a:r>
             <a:r>
-              <a:rPr lang="en-US" dirty="0" err="1" smtClean="0"/>
+              <a:rPr lang="en-US" dirty="0" err="1"/>
               <a:t>XMLHttpRequest</a:t>
             </a:r>
-            <a:endParaRPr lang="en-US" dirty="0" smtClean="0"/>
+            <a:endParaRPr lang="en-US" dirty="0"/>
           </a:p>
         </p:txBody>
       </p:sp>
@@ -9666,13 +9444,8 @@
           <a:p>
             <a:r>
               <a:rPr lang="en-US" dirty="0"/>
-              <a:t>Update the existing data </a:t>
-            </a:r>
-            <a:r>
-              <a:rPr lang="en-US" dirty="0" smtClean="0"/>
-              <a:t>- 1</a:t>
-            </a:r>
-            <a:endParaRPr lang="en-US" dirty="0"/>
+              <a:t>Update the existing data - 1</a:t>
+            </a:r>
           </a:p>
         </p:txBody>
       </p:sp>
@@ -9698,15 +9471,7 @@
           <a:p>
             <a:r>
               <a:rPr lang="en-US" dirty="0"/>
-              <a:t>HTML for </a:t>
-            </a:r>
-            <a:r>
-              <a:rPr lang="en-US" dirty="0" smtClean="0"/>
-              <a:t>updating the existing reservation </a:t>
-            </a:r>
-            <a:r>
-              <a:rPr lang="en-US" dirty="0"/>
-              <a:t>by Id from ASP.NET Core Web API</a:t>
+              <a:t>HTML for updating the existing reservation by Id from ASP.NET Core Web API</a:t>
             </a:r>
           </a:p>
           <a:p>
@@ -9833,13 +9598,8 @@
           <a:p>
             <a:r>
               <a:rPr lang="en-US" dirty="0"/>
-              <a:t>Update the existing data - </a:t>
-            </a:r>
-            <a:r>
-              <a:rPr lang="en-US" dirty="0" smtClean="0"/>
-              <a:t>2</a:t>
-            </a:r>
-            <a:endParaRPr lang="en-US" dirty="0"/>
+              <a:t>Update the existing data - 2</a:t>
+            </a:r>
           </a:p>
         </p:txBody>
       </p:sp>
@@ -9860,13 +9620,8 @@
           <a:p>
             <a:r>
               <a:rPr lang="en-US" dirty="0"/>
-              <a:t>Using jQuery $.ajax() </a:t>
-            </a:r>
-            <a:r>
-              <a:rPr lang="en-US" dirty="0" smtClean="0"/>
-              <a:t>function to get the data by Id, then update</a:t>
-            </a:r>
-            <a:endParaRPr lang="en-US" dirty="0"/>
+              <a:t>Using jQuery $.ajax() function to get the data by Id, then update</a:t>
+            </a:r>
           </a:p>
         </p:txBody>
       </p:sp>
@@ -9989,13 +9744,8 @@
           <a:p>
             <a:r>
               <a:rPr lang="en-US" dirty="0"/>
-              <a:t>Update the existing data - </a:t>
-            </a:r>
-            <a:r>
-              <a:rPr lang="en-US" dirty="0" smtClean="0"/>
-              <a:t>3</a:t>
-            </a:r>
-            <a:endParaRPr lang="en-US" dirty="0"/>
+              <a:t>Update the existing data - 3</a:t>
+            </a:r>
           </a:p>
         </p:txBody>
       </p:sp>
@@ -10147,10 +9897,9 @@
           <a:lstStyle/>
           <a:p>
             <a:r>
-              <a:rPr lang="en-US" dirty="0" smtClean="0"/>
+              <a:rPr lang="en-US" dirty="0"/>
               <a:t>Create new data - 1</a:t>
             </a:r>
-            <a:endParaRPr lang="en-US" dirty="0"/>
           </a:p>
         </p:txBody>
       </p:sp>
@@ -10176,29 +9925,13 @@
           <a:p>
             <a:r>
               <a:rPr lang="en-US" dirty="0"/>
-              <a:t>HTML for </a:t>
-            </a:r>
-            <a:r>
-              <a:rPr lang="en-US" dirty="0" smtClean="0"/>
-              <a:t>creating </a:t>
-            </a:r>
-            <a:r>
-              <a:rPr lang="en-US" dirty="0"/>
-              <a:t>the </a:t>
-            </a:r>
-            <a:r>
-              <a:rPr lang="en-US" dirty="0" smtClean="0"/>
-              <a:t>reservation</a:t>
-            </a:r>
-          </a:p>
-          <a:p>
-            <a:r>
-              <a:rPr lang="en-US" dirty="0" smtClean="0"/>
-              <a:t>Request will send to ASP.NET </a:t>
-            </a:r>
-            <a:r>
-              <a:rPr lang="en-US" dirty="0"/>
-              <a:t>Core Web API</a:t>
+              <a:t>HTML for creating the reservation</a:t>
+            </a:r>
+          </a:p>
+          <a:p>
+            <a:r>
+              <a:rPr lang="en-US" dirty="0"/>
+              <a:t>Request will send to ASP.NET Core Web API</a:t>
             </a:r>
           </a:p>
           <a:p>
@@ -10325,13 +10058,8 @@
           <a:p>
             <a:r>
               <a:rPr lang="en-US" dirty="0"/>
-              <a:t>Create new data - </a:t>
-            </a:r>
-            <a:r>
-              <a:rPr lang="en-US" dirty="0" smtClean="0"/>
-              <a:t>2</a:t>
-            </a:r>
-            <a:endParaRPr lang="en-US" dirty="0"/>
+              <a:t>Create new data - 2</a:t>
+            </a:r>
           </a:p>
         </p:txBody>
       </p:sp>
@@ -10455,13 +10183,8 @@
           <a:p>
             <a:r>
               <a:rPr lang="en-US" dirty="0"/>
-              <a:t>Create new data - </a:t>
-            </a:r>
-            <a:r>
-              <a:rPr lang="en-US" dirty="0" smtClean="0"/>
-              <a:t>3</a:t>
-            </a:r>
-            <a:endParaRPr lang="en-US" dirty="0"/>
+              <a:t>Create new data - 3</a:t>
+            </a:r>
           </a:p>
         </p:txBody>
       </p:sp>
@@ -10612,10 +10335,9 @@
           <a:lstStyle/>
           <a:p>
             <a:r>
-              <a:rPr lang="en-US" dirty="0" smtClean="0"/>
+              <a:rPr lang="en-US" dirty="0"/>
               <a:t>Summary</a:t>
             </a:r>
-            <a:endParaRPr lang="en-US" dirty="0"/>
           </a:p>
         </p:txBody>
       </p:sp>
@@ -10641,11 +10363,11 @@
               <a:buNone/>
             </a:pPr>
             <a:r>
-              <a:rPr lang="en-US" dirty="0" smtClean="0"/>
+              <a:rPr lang="en-US" dirty="0"/>
               <a:t>The concepts were </a:t>
             </a:r>
             <a:r>
-              <a:rPr lang="en-US" smtClean="0"/>
+              <a:rPr lang="en-US"/>
               <a:t>introduced:</a:t>
             </a:r>
           </a:p>
@@ -10656,12 +10378,8 @@
               </a:lnSpc>
             </a:pPr>
             <a:r>
-              <a:rPr lang="en-US" dirty="0" smtClean="0"/>
-              <a:t>JavaScript </a:t>
-            </a:r>
-            <a:r>
-              <a:rPr lang="en-US" dirty="0"/>
-              <a:t>Introduction</a:t>
+              <a:rPr lang="en-US" dirty="0"/>
+              <a:t>JavaScript Introduction</a:t>
             </a:r>
           </a:p>
           <a:p>
@@ -10727,13 +10445,8 @@
             </a:pPr>
             <a:r>
               <a:rPr lang="en-US" dirty="0"/>
-              <a:t>Demo ASP.NET Core Web API with </a:t>
-            </a:r>
-            <a:r>
-              <a:rPr lang="en-US" dirty="0" smtClean="0"/>
-              <a:t>JavaScript Client</a:t>
-            </a:r>
-            <a:endParaRPr lang="en-US" dirty="0"/>
+              <a:t>Demo ASP.NET Core Web API with JavaScript Client</a:t>
+            </a:r>
           </a:p>
           <a:p>
             <a:endParaRPr lang="en-US" dirty="0"/>
@@ -10812,7 +10525,7 @@
           <a:lstStyle/>
           <a:p>
             <a:r>
-              <a:rPr lang="en-US" dirty="0" err="1" smtClean="0"/>
+              <a:rPr lang="en-US" dirty="0" err="1"/>
               <a:t>XMLHttpRequest</a:t>
             </a:r>
             <a:endParaRPr lang="en-US" dirty="0"/>
@@ -10844,67 +10557,46 @@
               <a:rPr lang="en-US" dirty="0"/>
               <a:t> (XHR) objects are used to interact with servers. You can retrieve data from a URL without having to do a full page refresh. </a:t>
             </a:r>
-            <a:endParaRPr lang="en-US" dirty="0" smtClean="0"/>
-          </a:p>
-          <a:p>
-            <a:r>
-              <a:rPr lang="en-US" dirty="0" smtClean="0"/>
-              <a:t>This </a:t>
-            </a:r>
-            <a:r>
-              <a:rPr lang="en-US" dirty="0"/>
-              <a:t>enables a Web page to update just part of a page without disrupting what the user is doing.</a:t>
-            </a:r>
-          </a:p>
-          <a:p>
-            <a:r>
-              <a:rPr lang="en-US" dirty="0" err="1" smtClean="0"/>
+          </a:p>
+          <a:p>
+            <a:r>
+              <a:rPr lang="en-US" dirty="0"/>
+              <a:t>This enables a Web page to update just part of a page without disrupting what the user is doing.</a:t>
+            </a:r>
+          </a:p>
+          <a:p>
+            <a:r>
+              <a:rPr lang="en-US" dirty="0" err="1"/>
               <a:t>XMLHttpRequest</a:t>
             </a:r>
             <a:r>
-              <a:rPr lang="en-US" dirty="0" smtClean="0"/>
-              <a:t> </a:t>
-            </a:r>
-            <a:r>
-              <a:rPr lang="en-US" dirty="0"/>
-              <a:t>is used heavily in AJAX programming</a:t>
-            </a:r>
-            <a:r>
-              <a:rPr lang="en-US" dirty="0" smtClean="0"/>
-              <a:t>.</a:t>
+              <a:rPr lang="en-US" dirty="0"/>
+              <a:t> is used heavily in AJAX programming.</a:t>
             </a:r>
           </a:p>
           <a:p>
             <a:endParaRPr lang="en-US" dirty="0"/>
           </a:p>
           <a:p>
-            <a:endParaRPr lang="en-US" dirty="0" smtClean="0"/>
-          </a:p>
-          <a:p>
             <a:endParaRPr lang="en-US" dirty="0"/>
           </a:p>
           <a:p>
-            <a:r>
-              <a:rPr lang="en-US" dirty="0" err="1" smtClean="0"/>
+            <a:endParaRPr lang="en-US" dirty="0"/>
+          </a:p>
+          <a:p>
+            <a:r>
+              <a:rPr lang="en-US" dirty="0" err="1"/>
               <a:t>XMLHttpRequest</a:t>
             </a:r>
             <a:r>
-              <a:rPr lang="en-US" dirty="0" smtClean="0"/>
-              <a:t> </a:t>
-            </a:r>
-            <a:r>
-              <a:rPr lang="en-US" dirty="0"/>
-              <a:t>can be used to retrieve any type of data, not just XML.</a:t>
-            </a:r>
-          </a:p>
-          <a:p>
-            <a:r>
-              <a:rPr lang="en-US" dirty="0" smtClean="0"/>
-              <a:t>If </a:t>
-            </a:r>
-            <a:r>
-              <a:rPr lang="en-US" dirty="0"/>
-              <a:t>your communication needs to involve receiving event data or message data from a server, consider using server-sent events through the </a:t>
+              <a:rPr lang="en-US" dirty="0"/>
+              <a:t> can be used to retrieve any type of data, not just XML.</a:t>
+            </a:r>
+          </a:p>
+          <a:p>
+            <a:r>
+              <a:rPr lang="en-US" dirty="0"/>
+              <a:t>If your communication needs to involve receiving event data or message data from a server, consider using server-sent events through the </a:t>
             </a:r>
             <a:r>
               <a:rPr lang="en-US" dirty="0" err="1"/>
@@ -11022,13 +10714,8 @@
             </a:r>
             <a:r>
               <a:rPr lang="en-US" dirty="0"/>
-              <a:t> </a:t>
-            </a:r>
-            <a:r>
-              <a:rPr lang="en-US" dirty="0" smtClean="0"/>
-              <a:t>Object</a:t>
-            </a:r>
-            <a:endParaRPr lang="en-US" dirty="0"/>
+              <a:t> Object</a:t>
+            </a:r>
           </a:p>
         </p:txBody>
       </p:sp>
@@ -11211,10 +10898,9 @@
           <a:lstStyle/>
           <a:p>
             <a:r>
-              <a:rPr lang="en-US" dirty="0" smtClean="0"/>
+              <a:rPr lang="en-US" dirty="0"/>
               <a:t>jQuery Introduction - 1</a:t>
             </a:r>
-            <a:endParaRPr lang="en-US" dirty="0"/>
           </a:p>
         </p:txBody>
       </p:sp>
@@ -11261,29 +10947,8 @@
           <a:p>
             <a:r>
               <a:rPr lang="en-US" dirty="0"/>
-              <a:t>The jQuery library contains the following </a:t>
-            </a:r>
-            <a:r>
-              <a:rPr lang="en-US" dirty="0" smtClean="0"/>
-              <a:t>features: HTML/DOM manipulation, CSS manipulation, HTML </a:t>
-            </a:r>
-            <a:r>
-              <a:rPr lang="en-US" dirty="0"/>
-              <a:t>event </a:t>
-            </a:r>
-            <a:r>
-              <a:rPr lang="en-US" dirty="0" smtClean="0"/>
-              <a:t>methods, Effects </a:t>
-            </a:r>
-            <a:r>
-              <a:rPr lang="en-US" dirty="0"/>
-              <a:t>and </a:t>
-            </a:r>
-            <a:r>
-              <a:rPr lang="en-US" dirty="0" smtClean="0"/>
-              <a:t>animations, AJAX, Utilities</a:t>
-            </a:r>
-            <a:endParaRPr lang="en-US" dirty="0"/>
+              <a:t>The jQuery library contains the following features: HTML/DOM manipulation, CSS manipulation, HTML event methods, Effects and animations, AJAX, Utilities</a:t>
+            </a:r>
           </a:p>
         </p:txBody>
       </p:sp>
@@ -11357,10 +11022,9 @@
           <a:lstStyle/>
           <a:p>
             <a:r>
-              <a:rPr lang="en-US" dirty="0" smtClean="0"/>
+              <a:rPr lang="en-US" dirty="0"/>
               <a:t>jQuery Introduction - 2</a:t>
             </a:r>
-            <a:endParaRPr lang="en-US" dirty="0"/>
           </a:p>
         </p:txBody>
       </p:sp>
@@ -11453,12 +11117,8 @@
               </a:lnSpc>
             </a:pPr>
             <a:r>
-              <a:rPr lang="en-US" dirty="0" smtClean="0"/>
-              <a:t>The </a:t>
-            </a:r>
-            <a:r>
-              <a:rPr lang="en-US" dirty="0"/>
-              <a:t>jQuery team knows all about cross-browser issues, and they have written this knowledge into the jQuery library. jQuery will run exactly the same in all major browsers.</a:t>
+              <a:rPr lang="en-US" dirty="0"/>
+              <a:t>The jQuery team knows all about cross-browser issues, and they have written this knowledge into the jQuery library. jQuery will run exactly the same in all major browsers.</a:t>
             </a:r>
           </a:p>
           <a:p>
@@ -11539,13 +11199,8 @@
           <a:p>
             <a:r>
               <a:rPr lang="en-US" dirty="0"/>
-              <a:t>Downloading </a:t>
-            </a:r>
-            <a:r>
-              <a:rPr lang="en-US" dirty="0" smtClean="0"/>
-              <a:t>jQuery</a:t>
-            </a:r>
-            <a:endParaRPr lang="en-US" dirty="0"/>
+              <a:t>Downloading jQuery</a:t>
+            </a:r>
           </a:p>
         </p:txBody>
       </p:sp>
@@ -11568,13 +11223,8 @@
           <a:p>
             <a:r>
               <a:rPr lang="en-US" dirty="0"/>
-              <a:t>There are two versions of jQuery available for </a:t>
-            </a:r>
-            <a:r>
-              <a:rPr lang="en-US" dirty="0" smtClean="0"/>
-              <a:t>downloading from (jQuery.com)</a:t>
-            </a:r>
-            <a:endParaRPr lang="en-US" dirty="0"/>
+              <a:t>There are two versions of jQuery available for downloading from (jQuery.com)</a:t>
+            </a:r>
           </a:p>
           <a:p>
             <a:pPr lvl="1">
@@ -11583,12 +11233,8 @@
               </a:lnSpc>
             </a:pPr>
             <a:r>
-              <a:rPr lang="en-US" dirty="0" smtClean="0"/>
-              <a:t>Production </a:t>
-            </a:r>
-            <a:r>
-              <a:rPr lang="en-US" dirty="0"/>
-              <a:t>version - this is for your live website because it has been minified and compressed</a:t>
+              <a:rPr lang="en-US" dirty="0"/>
+              <a:t>Production version - this is for your live website because it has been minified and compressed</a:t>
             </a:r>
           </a:p>
           <a:p>
@@ -11598,22 +11244,14 @@
               </a:lnSpc>
             </a:pPr>
             <a:r>
-              <a:rPr lang="en-US" dirty="0" smtClean="0"/>
-              <a:t>Development </a:t>
-            </a:r>
-            <a:r>
-              <a:rPr lang="en-US" dirty="0"/>
-              <a:t>version - this is for testing and development (uncompressed and readable code)</a:t>
-            </a:r>
-          </a:p>
-          <a:p>
-            <a:r>
-              <a:rPr lang="en-US" dirty="0" smtClean="0"/>
-              <a:t>The </a:t>
-            </a:r>
-            <a:r>
-              <a:rPr lang="en-US" dirty="0"/>
-              <a:t>jQuery library is a single JavaScript file, and you reference it with the HTML &lt;script&gt; tag (notice that the &lt;script&gt; tag should be inside the &lt;head&gt; section)</a:t>
+              <a:rPr lang="en-US" dirty="0"/>
+              <a:t>Development version - this is for testing and development (uncompressed and readable code)</a:t>
+            </a:r>
+          </a:p>
+          <a:p>
+            <a:r>
+              <a:rPr lang="en-US" dirty="0"/>
+              <a:t>The jQuery library is a single JavaScript file, and you reference it with the HTML &lt;script&gt; tag (notice that the &lt;script&gt; tag should be inside the &lt;head&gt; section)</a:t>
             </a:r>
           </a:p>
         </p:txBody>
@@ -11739,13 +11377,8 @@
           <a:p>
             <a:r>
               <a:rPr lang="en-US" dirty="0"/>
-              <a:t>jQuery </a:t>
-            </a:r>
-            <a:r>
-              <a:rPr lang="en-US" dirty="0" smtClean="0"/>
-              <a:t>Syntax</a:t>
-            </a:r>
-            <a:endParaRPr lang="en-US" dirty="0"/>
+              <a:t>jQuery Syntax</a:t>
+            </a:r>
           </a:p>
         </p:txBody>
       </p:sp>
@@ -11781,12 +11414,8 @@
               </a:lnSpc>
             </a:pPr>
             <a:r>
-              <a:rPr lang="en-US" dirty="0" smtClean="0"/>
-              <a:t>Basic </a:t>
-            </a:r>
-            <a:r>
-              <a:rPr lang="en-US" dirty="0"/>
-              <a:t>syntax is: </a:t>
+              <a:rPr lang="en-US" dirty="0"/>
+              <a:t>Basic syntax is: </a:t>
             </a:r>
             <a:r>
               <a:rPr lang="en-US" dirty="0">
@@ -11804,12 +11433,8 @@
               </a:lnSpc>
             </a:pPr>
             <a:r>
-              <a:rPr lang="en-US" dirty="0" smtClean="0"/>
-              <a:t>A </a:t>
-            </a:r>
-            <a:r>
-              <a:rPr lang="en-US" dirty="0"/>
-              <a:t>$ sign to define/access jQuery</a:t>
+              <a:rPr lang="en-US" dirty="0"/>
+              <a:t>A $ sign to define/access jQuery</a:t>
             </a:r>
           </a:p>
           <a:p>
@@ -11819,16 +11444,8 @@
               </a:lnSpc>
             </a:pPr>
             <a:r>
-              <a:rPr lang="en-US" dirty="0" smtClean="0"/>
-              <a:t>A </a:t>
-            </a:r>
-            <a:r>
-              <a:rPr lang="en-US" dirty="0"/>
-              <a:t>(selector) to "query (or find)" HTML </a:t>
-            </a:r>
-            <a:r>
-              <a:rPr lang="en-US" dirty="0" smtClean="0"/>
-              <a:t>elements</a:t>
+              <a:rPr lang="en-US" dirty="0"/>
+              <a:t>A (selector) to "query (or find)" HTML elements</a:t>
             </a:r>
           </a:p>
           <a:p>
@@ -11838,7 +11455,7 @@
               </a:lnSpc>
             </a:pPr>
             <a:r>
-              <a:rPr lang="en-US" dirty="0" smtClean="0"/>
+              <a:rPr lang="en-US" dirty="0"/>
               <a:t>A jQuery action() to be performed on the element(s)</a:t>
             </a:r>
           </a:p>
